--- a/docs/220630_TRE_Prez.pptx
+++ b/docs/220630_TRE_Prez.pptx
@@ -235,7 +235,7 @@
             <a:pPr rtl="0"/>
             <a:fld id="{A7DA3A3D-BCFE-4CC6-B863-5BE3E8402382}" type="datetime1">
               <a:rPr lang="fr-FR" smtClean="0"/>
-              <a:t>29/06/2022</a:t>
+              <a:t>30/06/2022</a:t>
             </a:fld>
             <a:endParaRPr lang="fr-FR" dirty="0"/>
           </a:p>
@@ -417,7 +417,7 @@
             <a:fld id="{096398BE-7D62-4592-B79E-49A3E652E45B}" type="datetime1">
               <a:rPr lang="fr-FR" smtClean="0"/>
               <a:pPr/>
-              <a:t>29/06/2022</a:t>
+              <a:t>30/06/2022</a:t>
             </a:fld>
             <a:endParaRPr lang="fr-FR" dirty="0"/>
           </a:p>
@@ -3159,7 +3159,7 @@
                   <a:schemeClr val="bg1"/>
                 </a:solidFill>
               </a:rPr>
-              <a:t>29/06/2022</a:t>
+              <a:t>30/06/2022</a:t>
             </a:r>
           </a:p>
         </p:txBody>
@@ -3439,7 +3439,7 @@
             <a:pPr algn="ctr"/>
             <a:r>
               <a:rPr lang="fr-FR" sz="1000" b="1" dirty="0"/>
-              <a:t>29/06/2022</a:t>
+              <a:t>30/06/2022</a:t>
             </a:r>
           </a:p>
         </p:txBody>
@@ -3759,7 +3759,7 @@
             <a:pPr algn="ctr"/>
             <a:r>
               <a:rPr lang="fr-FR" sz="1000" b="1" dirty="0"/>
-              <a:t>29/06/2022</a:t>
+              <a:t>30/06/2022</a:t>
             </a:r>
           </a:p>
         </p:txBody>
@@ -3886,7 +3886,7 @@
             <a:pPr algn="ctr"/>
             <a:r>
               <a:rPr lang="fr-FR" sz="1000" b="1" dirty="0"/>
-              <a:t>29/06/2022</a:t>
+              <a:t>30/06/2022</a:t>
             </a:r>
           </a:p>
         </p:txBody>
@@ -4399,7 +4399,7 @@
             <a:pPr algn="ctr"/>
             <a:r>
               <a:rPr lang="fr-FR" sz="1000" b="1" dirty="0"/>
-              <a:t>29/06/2022</a:t>
+              <a:t>30/06/2022</a:t>
             </a:r>
           </a:p>
         </p:txBody>
@@ -4620,7 +4620,7 @@
             <a:pPr algn="ctr"/>
             <a:r>
               <a:rPr lang="fr-FR" sz="1000" b="1" dirty="0"/>
-              <a:t>29/06/2022</a:t>
+              <a:t>30/06/2022</a:t>
             </a:r>
           </a:p>
         </p:txBody>
@@ -4953,7 +4953,7 @@
             <a:pPr algn="ctr"/>
             <a:r>
               <a:rPr lang="fr-FR" sz="1000" b="1" dirty="0"/>
-              <a:t>29/06/2022</a:t>
+              <a:t>30/06/2022</a:t>
             </a:r>
           </a:p>
         </p:txBody>
@@ -5361,7 +5361,7 @@
             <a:pPr algn="ctr"/>
             <a:r>
               <a:rPr lang="fr-FR" sz="1000" b="1" dirty="0"/>
-              <a:t>29/06/2022</a:t>
+              <a:t>30/06/2022</a:t>
             </a:r>
           </a:p>
         </p:txBody>
@@ -5604,7 +5604,7 @@
             <a:pPr algn="ctr"/>
             <a:r>
               <a:rPr lang="fr-FR" sz="1000" b="1" dirty="0"/>
-              <a:t>29/06/2022</a:t>
+              <a:t>30/06/2022</a:t>
             </a:r>
           </a:p>
         </p:txBody>
@@ -5838,7 +5838,7 @@
             <a:pPr algn="ctr"/>
             <a:r>
               <a:rPr lang="fr-FR" sz="1000" b="1" dirty="0"/>
-              <a:t>29/06/2022</a:t>
+              <a:t>30/06/2022</a:t>
             </a:r>
           </a:p>
         </p:txBody>
@@ -6600,7 +6600,7 @@
                   <a:schemeClr val="bg1"/>
                 </a:solidFill>
               </a:rPr>
-              <a:t>29/06/2022</a:t>
+              <a:t>30/06/2022</a:t>
             </a:r>
           </a:p>
         </p:txBody>
@@ -6875,7 +6875,7 @@
             <a:pPr algn="ctr"/>
             <a:r>
               <a:rPr lang="fr-FR" sz="1000" b="1" dirty="0"/>
-              <a:t>29/06/2022</a:t>
+              <a:t>30/06/2022</a:t>
             </a:r>
           </a:p>
         </p:txBody>
@@ -7641,7 +7641,7 @@
             <a:pPr algn="ctr"/>
             <a:r>
               <a:rPr lang="fr-FR" sz="1000" b="1" dirty="0"/>
-              <a:t>29/06/2022</a:t>
+              <a:t>30/06/2022</a:t>
             </a:r>
           </a:p>
         </p:txBody>
@@ -7863,7 +7863,7 @@
                   <a:schemeClr val="bg1"/>
                 </a:solidFill>
               </a:rPr>
-              <a:t>29/06/2022</a:t>
+              <a:t>30/06/2022</a:t>
             </a:r>
           </a:p>
         </p:txBody>
@@ -8358,7 +8358,7 @@
             <a:pPr algn="ctr"/>
             <a:r>
               <a:rPr lang="fr-FR" sz="1000" b="1" dirty="0"/>
-              <a:t>29/06/2022</a:t>
+              <a:t>30/06/2022</a:t>
             </a:r>
           </a:p>
         </p:txBody>
@@ -13919,7 +13919,7 @@
                   <a:schemeClr val="bg1"/>
                 </a:solidFill>
                 <a:highlight>
-                  <a:srgbClr val="808080"/>
+                  <a:srgbClr val="BD0C32"/>
                 </a:highlight>
               </a:rPr>
               <a:t>JDD « exogène » : par commune</a:t>
@@ -15423,7 +15423,7 @@
           <p:spPr>
             <a:xfrm>
               <a:off x="7306161" y="4391759"/>
-              <a:ext cx="2097832" cy="305029"/>
+              <a:ext cx="2097832" cy="288083"/>
             </a:xfrm>
             <a:prstGeom prst="rect">
               <a:avLst/>
@@ -15438,7 +15438,14 @@
             <a:p>
               <a:pPr algn="ctr"/>
               <a:r>
-                <a:rPr lang="fr-FR" sz="1200" b="1" dirty="0"/>
+                <a:rPr lang="fr-FR" sz="1100" b="1" dirty="0">
+                  <a:solidFill>
+                    <a:schemeClr val="bg1"/>
+                  </a:solidFill>
+                  <a:highlight>
+                    <a:srgbClr val="BD0C32"/>
+                  </a:highlight>
+                </a:rPr>
                 <a:t>BDD finale TRE</a:t>
               </a:r>
             </a:p>
@@ -15731,13 +15738,14 @@
           </a:bodyPr>
           <a:lstStyle/>
           <a:p>
-            <a:pPr indent="-493712">
+            <a:pPr marL="0" indent="0">
               <a:lnSpc>
                 <a:spcPct val="100000"/>
               </a:lnSpc>
               <a:spcBef>
                 <a:spcPts val="600"/>
               </a:spcBef>
+              <a:buNone/>
             </a:pPr>
             <a:r>
               <a:rPr lang="fr-FR" sz="1600" dirty="0">
@@ -15828,13 +15836,14 @@
             </a:endParaRPr>
           </a:p>
           <a:p>
-            <a:pPr indent="-493712">
+            <a:pPr marL="0" indent="0">
               <a:lnSpc>
                 <a:spcPct val="100000"/>
               </a:lnSpc>
               <a:spcBef>
                 <a:spcPts val="600"/>
               </a:spcBef>
+              <a:buNone/>
             </a:pPr>
             <a:r>
               <a:rPr lang="fr-FR" sz="1600" dirty="0">
@@ -18380,6 +18389,15 @@
 </file>
 
 <file path=customXml/item1.xml><?xml version="1.0" encoding="utf-8"?>
+<p:properties xmlns:p="http://schemas.microsoft.com/office/2006/metadata/properties" xmlns:xsi="http://www.w3.org/2001/XMLSchema-instance" xmlns:pc="http://schemas.microsoft.com/office/infopath/2007/PartnerControls">
+  <documentManagement>
+    <Status xmlns="71af3243-3dd4-4a8d-8c0d-dd76da1f02a5">Not started</Status>
+    <MediaServiceKeyPoints xmlns="71af3243-3dd4-4a8d-8c0d-dd76da1f02a5" xsi:nil="true"/>
+  </documentManagement>
+</p:properties>
+</file>
+
+<file path=customXml/item2.xml><?xml version="1.0" encoding="utf-8"?>
 <ct:contentTypeSchema xmlns:ct="http://schemas.microsoft.com/office/2006/metadata/contentType" xmlns:ma="http://schemas.microsoft.com/office/2006/metadata/properties/metaAttributes" ct:_="" ma:_="" ma:contentTypeName="Document" ma:contentTypeID="0x01010079F111ED35F8CC479449609E8A0923A6" ma:contentTypeVersion="12" ma:contentTypeDescription="Create a new document." ma:contentTypeScope="" ma:versionID="426e97fa315356fffbdcd9876fe988c2">
   <xsd:schema xmlns:xsd="http://www.w3.org/2001/XMLSchema" xmlns:xs="http://www.w3.org/2001/XMLSchema" xmlns:p="http://schemas.microsoft.com/office/2006/metadata/properties" xmlns:ns2="71af3243-3dd4-4a8d-8c0d-dd76da1f02a5" xmlns:ns3="16c05727-aa75-4e4a-9b5f-8a80a1165891" targetNamespace="http://schemas.microsoft.com/office/2006/metadata/properties" ma:root="true" ma:fieldsID="14b8f0def80e6d70ce3def20c90759ae" ns2:_="" ns3:_="">
     <xsd:import namespace="71af3243-3dd4-4a8d-8c0d-dd76da1f02a5"/>
@@ -18600,15 +18618,6 @@
 </ct:contentTypeSchema>
 </file>
 
-<file path=customXml/item2.xml><?xml version="1.0" encoding="utf-8"?>
-<p:properties xmlns:p="http://schemas.microsoft.com/office/2006/metadata/properties" xmlns:xsi="http://www.w3.org/2001/XMLSchema-instance" xmlns:pc="http://schemas.microsoft.com/office/infopath/2007/PartnerControls">
-  <documentManagement>
-    <Status xmlns="71af3243-3dd4-4a8d-8c0d-dd76da1f02a5">Not started</Status>
-    <MediaServiceKeyPoints xmlns="71af3243-3dd4-4a8d-8c0d-dd76da1f02a5" xsi:nil="true"/>
-  </documentManagement>
-</p:properties>
-</file>
-
 <file path=customXml/item3.xml><?xml version="1.0" encoding="utf-8"?>
 <?mso-contentType ?>
 <FormTemplates xmlns="http://schemas.microsoft.com/sharepoint/v3/contenttype/forms">
@@ -18619,6 +18628,16 @@
 </file>
 
 <file path=customXml/itemProps1.xml><?xml version="1.0" encoding="utf-8"?>
+<ds:datastoreItem xmlns:ds="http://schemas.openxmlformats.org/officeDocument/2006/customXml" ds:itemID="{D0976319-4513-485C-AD3A-E56C39927A38}">
+  <ds:schemaRefs>
+    <ds:schemaRef ds:uri="http://schemas.microsoft.com/office/2006/metadata/properties"/>
+    <ds:schemaRef ds:uri="http://schemas.microsoft.com/office/infopath/2007/PartnerControls"/>
+    <ds:schemaRef ds:uri="71af3243-3dd4-4a8d-8c0d-dd76da1f02a5"/>
+  </ds:schemaRefs>
+</ds:datastoreItem>
+</file>
+
+<file path=customXml/itemProps2.xml><?xml version="1.0" encoding="utf-8"?>
 <ds:datastoreItem xmlns:ds="http://schemas.openxmlformats.org/officeDocument/2006/customXml" ds:itemID="{6A1B7BBB-8F46-4BA8-85EC-2ECC1D2E3290}">
   <ds:schemaRefs>
     <ds:schemaRef ds:uri="http://schemas.microsoft.com/office/2006/metadata/contentType"/>
@@ -18637,16 +18656,6 @@
 </ds:datastoreItem>
 </file>
 
-<file path=customXml/itemProps2.xml><?xml version="1.0" encoding="utf-8"?>
-<ds:datastoreItem xmlns:ds="http://schemas.openxmlformats.org/officeDocument/2006/customXml" ds:itemID="{D0976319-4513-485C-AD3A-E56C39927A38}">
-  <ds:schemaRefs>
-    <ds:schemaRef ds:uri="http://schemas.microsoft.com/office/2006/metadata/properties"/>
-    <ds:schemaRef ds:uri="http://schemas.microsoft.com/office/infopath/2007/PartnerControls"/>
-    <ds:schemaRef ds:uri="71af3243-3dd4-4a8d-8c0d-dd76da1f02a5"/>
-  </ds:schemaRefs>
-</ds:datastoreItem>
-</file>
-
 <file path=customXml/itemProps3.xml><?xml version="1.0" encoding="utf-8"?>
 <ds:datastoreItem xmlns:ds="http://schemas.openxmlformats.org/officeDocument/2006/customXml" ds:itemID="{53A10211-FBDE-44DA-8AD6-29E596B2975F}">
   <ds:schemaRefs>
